--- a/Final Project Review.pptx
+++ b/Final Project Review.pptx
@@ -407,7 +407,7 @@
   <p:cSld>
     <p:spTree>
       <p:nvGrpSpPr>
-        <p:cNvPr id="57" name="Shape 57"/>
+        <p:cNvPr id="58" name="Shape 58"/>
         <p:cNvGrpSpPr/>
         <p:nvPr/>
       </p:nvGrpSpPr>
@@ -421,7 +421,7 @@
       </p:grpSpPr>
       <p:sp>
         <p:nvSpPr>
-          <p:cNvPr id="58" name="Shape 58"/>
+          <p:cNvPr id="59" name="Shape 59"/>
           <p:cNvSpPr/>
           <p:nvPr>
             <p:ph idx="2" type="sldImg"/>
@@ -465,7 +465,7 @@
       </p:sp>
       <p:sp>
         <p:nvSpPr>
-          <p:cNvPr id="59" name="Shape 59"/>
+          <p:cNvPr id="60" name="Shape 60"/>
           <p:cNvSpPr txBox="1"/>
           <p:nvPr>
             <p:ph idx="1" type="body"/>
@@ -512,7 +512,7 @@
   <p:cSld>
     <p:spTree>
       <p:nvGrpSpPr>
-        <p:cNvPr id="124" name="Shape 124"/>
+        <p:cNvPr id="125" name="Shape 125"/>
         <p:cNvGrpSpPr/>
         <p:nvPr/>
       </p:nvGrpSpPr>
@@ -526,7 +526,7 @@
       </p:grpSpPr>
       <p:sp>
         <p:nvSpPr>
-          <p:cNvPr id="125" name="Shape 125"/>
+          <p:cNvPr id="126" name="Shape 126"/>
           <p:cNvSpPr/>
           <p:nvPr>
             <p:ph idx="2" type="sldImg"/>
@@ -570,7 +570,7 @@
       </p:sp>
       <p:sp>
         <p:nvSpPr>
-          <p:cNvPr id="126" name="Shape 126"/>
+          <p:cNvPr id="127" name="Shape 127"/>
           <p:cNvSpPr txBox="1"/>
           <p:nvPr>
             <p:ph idx="1" type="body"/>
@@ -598,9 +598,9 @@
               <a:buNone/>
             </a:pPr>
             <a:r>
-              <a:rPr lang="en"/>
-              <a:t>dynamic action for effective date</a:t>
+              <a:t/>
             </a:r>
+            <a:endParaRPr/>
           </a:p>
         </p:txBody>
       </p:sp>
@@ -722,7 +722,7 @@
   <p:cSld>
     <p:spTree>
       <p:nvGrpSpPr>
-        <p:cNvPr id="135" name="Shape 135"/>
+        <p:cNvPr id="136" name="Shape 136"/>
         <p:cNvGrpSpPr/>
         <p:nvPr/>
       </p:nvGrpSpPr>
@@ -736,7 +736,7 @@
       </p:grpSpPr>
       <p:sp>
         <p:nvSpPr>
-          <p:cNvPr id="136" name="Shape 136"/>
+          <p:cNvPr id="137" name="Shape 137"/>
           <p:cNvSpPr/>
           <p:nvPr>
             <p:ph idx="2" type="sldImg"/>
@@ -780,7 +780,7 @@
       </p:sp>
       <p:sp>
         <p:nvSpPr>
-          <p:cNvPr id="137" name="Shape 137"/>
+          <p:cNvPr id="138" name="Shape 138"/>
           <p:cNvSpPr txBox="1"/>
           <p:nvPr>
             <p:ph idx="1" type="body"/>
@@ -827,7 +827,7 @@
   <p:cSld>
     <p:spTree>
       <p:nvGrpSpPr>
-        <p:cNvPr id="142" name="Shape 142"/>
+        <p:cNvPr id="143" name="Shape 143"/>
         <p:cNvGrpSpPr/>
         <p:nvPr/>
       </p:nvGrpSpPr>
@@ -841,7 +841,7 @@
       </p:grpSpPr>
       <p:sp>
         <p:nvSpPr>
-          <p:cNvPr id="143" name="Shape 143"/>
+          <p:cNvPr id="144" name="Shape 144"/>
           <p:cNvSpPr/>
           <p:nvPr>
             <p:ph idx="2" type="sldImg"/>
@@ -885,7 +885,7 @@
       </p:sp>
       <p:sp>
         <p:nvSpPr>
-          <p:cNvPr id="144" name="Shape 144"/>
+          <p:cNvPr id="145" name="Shape 145"/>
           <p:cNvSpPr txBox="1"/>
           <p:nvPr>
             <p:ph idx="1" type="body"/>
@@ -932,7 +932,7 @@
   <p:cSld>
     <p:spTree>
       <p:nvGrpSpPr>
-        <p:cNvPr id="149" name="Shape 149"/>
+        <p:cNvPr id="150" name="Shape 150"/>
         <p:cNvGrpSpPr/>
         <p:nvPr/>
       </p:nvGrpSpPr>
@@ -946,7 +946,7 @@
       </p:grpSpPr>
       <p:sp>
         <p:nvSpPr>
-          <p:cNvPr id="150" name="Shape 150"/>
+          <p:cNvPr id="151" name="Shape 151"/>
           <p:cNvSpPr/>
           <p:nvPr>
             <p:ph idx="2" type="sldImg"/>
@@ -990,7 +990,7 @@
       </p:sp>
       <p:sp>
         <p:nvSpPr>
-          <p:cNvPr id="151" name="Shape 151"/>
+          <p:cNvPr id="152" name="Shape 152"/>
           <p:cNvSpPr txBox="1"/>
           <p:nvPr>
             <p:ph idx="1" type="body"/>
@@ -1037,7 +1037,7 @@
   <p:cSld>
     <p:spTree>
       <p:nvGrpSpPr>
-        <p:cNvPr id="155" name="Shape 155"/>
+        <p:cNvPr id="156" name="Shape 156"/>
         <p:cNvGrpSpPr/>
         <p:nvPr/>
       </p:nvGrpSpPr>
@@ -1051,7 +1051,7 @@
       </p:grpSpPr>
       <p:sp>
         <p:nvSpPr>
-          <p:cNvPr id="156" name="Shape 156"/>
+          <p:cNvPr id="157" name="Shape 157"/>
           <p:cNvSpPr/>
           <p:nvPr>
             <p:ph idx="2" type="sldImg"/>
@@ -1095,7 +1095,7 @@
       </p:sp>
       <p:sp>
         <p:nvSpPr>
-          <p:cNvPr id="157" name="Shape 157"/>
+          <p:cNvPr id="158" name="Shape 158"/>
           <p:cNvSpPr txBox="1"/>
           <p:nvPr>
             <p:ph idx="1" type="body"/>
@@ -1142,7 +1142,7 @@
   <p:cSld>
     <p:spTree>
       <p:nvGrpSpPr>
-        <p:cNvPr id="161" name="Shape 161"/>
+        <p:cNvPr id="162" name="Shape 162"/>
         <p:cNvGrpSpPr/>
         <p:nvPr/>
       </p:nvGrpSpPr>
@@ -1156,7 +1156,7 @@
       </p:grpSpPr>
       <p:sp>
         <p:nvSpPr>
-          <p:cNvPr id="162" name="Shape 162"/>
+          <p:cNvPr id="163" name="Shape 163"/>
           <p:cNvSpPr/>
           <p:nvPr>
             <p:ph idx="2" type="sldImg"/>
@@ -1200,7 +1200,7 @@
       </p:sp>
       <p:sp>
         <p:nvSpPr>
-          <p:cNvPr id="163" name="Shape 163"/>
+          <p:cNvPr id="164" name="Shape 164"/>
           <p:cNvSpPr txBox="1"/>
           <p:nvPr>
             <p:ph idx="1" type="body"/>
@@ -1247,7 +1247,7 @@
   <p:cSld>
     <p:spTree>
       <p:nvGrpSpPr>
-        <p:cNvPr id="166" name="Shape 166"/>
+        <p:cNvPr id="167" name="Shape 167"/>
         <p:cNvGrpSpPr/>
         <p:nvPr/>
       </p:nvGrpSpPr>
@@ -1261,7 +1261,7 @@
       </p:grpSpPr>
       <p:sp>
         <p:nvSpPr>
-          <p:cNvPr id="167" name="Shape 167"/>
+          <p:cNvPr id="168" name="Shape 168"/>
           <p:cNvSpPr/>
           <p:nvPr>
             <p:ph idx="2" type="sldImg"/>
@@ -1305,7 +1305,7 @@
       </p:sp>
       <p:sp>
         <p:nvSpPr>
-          <p:cNvPr id="168" name="Shape 168"/>
+          <p:cNvPr id="169" name="Shape 169"/>
           <p:cNvSpPr txBox="1"/>
           <p:nvPr>
             <p:ph idx="1" type="body"/>
@@ -1352,7 +1352,7 @@
   <p:cSld>
     <p:spTree>
       <p:nvGrpSpPr>
-        <p:cNvPr id="62" name="Shape 62"/>
+        <p:cNvPr id="63" name="Shape 63"/>
         <p:cNvGrpSpPr/>
         <p:nvPr/>
       </p:nvGrpSpPr>
@@ -1366,7 +1366,7 @@
       </p:grpSpPr>
       <p:sp>
         <p:nvSpPr>
-          <p:cNvPr id="63" name="Shape 63"/>
+          <p:cNvPr id="64" name="Shape 64"/>
           <p:cNvSpPr/>
           <p:nvPr>
             <p:ph idx="2" type="sldImg"/>
@@ -1410,7 +1410,7 @@
       </p:sp>
       <p:sp>
         <p:nvSpPr>
-          <p:cNvPr id="64" name="Shape 64"/>
+          <p:cNvPr id="65" name="Shape 65"/>
           <p:cNvSpPr txBox="1"/>
           <p:nvPr>
             <p:ph idx="1" type="body"/>
@@ -1457,7 +1457,7 @@
   <p:cSld>
     <p:spTree>
       <p:nvGrpSpPr>
-        <p:cNvPr id="68" name="Shape 68"/>
+        <p:cNvPr id="69" name="Shape 69"/>
         <p:cNvGrpSpPr/>
         <p:nvPr/>
       </p:nvGrpSpPr>
@@ -1471,7 +1471,7 @@
       </p:grpSpPr>
       <p:sp>
         <p:nvSpPr>
-          <p:cNvPr id="69" name="Shape 69"/>
+          <p:cNvPr id="70" name="Shape 70"/>
           <p:cNvSpPr/>
           <p:nvPr>
             <p:ph idx="2" type="sldImg"/>
@@ -1515,7 +1515,7 @@
       </p:sp>
       <p:sp>
         <p:nvSpPr>
-          <p:cNvPr id="70" name="Shape 70"/>
+          <p:cNvPr id="71" name="Shape 71"/>
           <p:cNvSpPr txBox="1"/>
           <p:nvPr>
             <p:ph idx="1" type="body"/>
@@ -1574,7 +1574,7 @@
   <p:cSld>
     <p:spTree>
       <p:nvGrpSpPr>
-        <p:cNvPr id="74" name="Shape 74"/>
+        <p:cNvPr id="75" name="Shape 75"/>
         <p:cNvGrpSpPr/>
         <p:nvPr/>
       </p:nvGrpSpPr>
@@ -1588,7 +1588,7 @@
       </p:grpSpPr>
       <p:sp>
         <p:nvSpPr>
-          <p:cNvPr id="75" name="Shape 75"/>
+          <p:cNvPr id="76" name="Shape 76"/>
           <p:cNvSpPr/>
           <p:nvPr>
             <p:ph idx="2" type="sldImg"/>
@@ -1632,7 +1632,7 @@
       </p:sp>
       <p:sp>
         <p:nvSpPr>
-          <p:cNvPr id="76" name="Shape 76"/>
+          <p:cNvPr id="77" name="Shape 77"/>
           <p:cNvSpPr txBox="1"/>
           <p:nvPr>
             <p:ph idx="1" type="body"/>
@@ -1679,7 +1679,7 @@
   <p:cSld>
     <p:spTree>
       <p:nvGrpSpPr>
-        <p:cNvPr id="80" name="Shape 80"/>
+        <p:cNvPr id="81" name="Shape 81"/>
         <p:cNvGrpSpPr/>
         <p:nvPr/>
       </p:nvGrpSpPr>
@@ -1693,7 +1693,7 @@
       </p:grpSpPr>
       <p:sp>
         <p:nvSpPr>
-          <p:cNvPr id="81" name="Shape 81"/>
+          <p:cNvPr id="82" name="Shape 82"/>
           <p:cNvSpPr/>
           <p:nvPr>
             <p:ph idx="2" type="sldImg"/>
@@ -1737,7 +1737,7 @@
       </p:sp>
       <p:sp>
         <p:nvSpPr>
-          <p:cNvPr id="82" name="Shape 82"/>
+          <p:cNvPr id="83" name="Shape 83"/>
           <p:cNvSpPr txBox="1"/>
           <p:nvPr>
             <p:ph idx="1" type="body"/>
@@ -1784,7 +1784,7 @@
   <p:cSld>
     <p:spTree>
       <p:nvGrpSpPr>
-        <p:cNvPr id="86" name="Shape 86"/>
+        <p:cNvPr id="91" name="Shape 91"/>
         <p:cNvGrpSpPr/>
         <p:nvPr/>
       </p:nvGrpSpPr>
@@ -1798,7 +1798,7 @@
       </p:grpSpPr>
       <p:sp>
         <p:nvSpPr>
-          <p:cNvPr id="87" name="Shape 87"/>
+          <p:cNvPr id="92" name="Shape 92"/>
           <p:cNvSpPr/>
           <p:nvPr>
             <p:ph idx="2" type="sldImg"/>
@@ -1842,7 +1842,7 @@
       </p:sp>
       <p:sp>
         <p:nvSpPr>
-          <p:cNvPr id="88" name="Shape 88"/>
+          <p:cNvPr id="93" name="Shape 93"/>
           <p:cNvSpPr txBox="1"/>
           <p:nvPr>
             <p:ph idx="1" type="body"/>
@@ -1870,9 +1870,9 @@
               <a:buNone/>
             </a:pPr>
             <a:r>
-              <a:t/>
+              <a:rPr lang="en"/>
+              <a:t>cascading select lists</a:t>
             </a:r>
-            <a:endParaRPr/>
           </a:p>
         </p:txBody>
       </p:sp>
@@ -1889,7 +1889,7 @@
   <p:cSld>
     <p:spTree>
       <p:nvGrpSpPr>
-        <p:cNvPr id="96" name="Shape 96"/>
+        <p:cNvPr id="100" name="Shape 100"/>
         <p:cNvGrpSpPr/>
         <p:nvPr/>
       </p:nvGrpSpPr>
@@ -1903,7 +1903,7 @@
       </p:grpSpPr>
       <p:sp>
         <p:nvSpPr>
-          <p:cNvPr id="97" name="Shape 97"/>
+          <p:cNvPr id="101" name="Shape 101"/>
           <p:cNvSpPr/>
           <p:nvPr>
             <p:ph idx="2" type="sldImg"/>
@@ -1947,7 +1947,7 @@
       </p:sp>
       <p:sp>
         <p:nvSpPr>
-          <p:cNvPr id="98" name="Shape 98"/>
+          <p:cNvPr id="102" name="Shape 102"/>
           <p:cNvSpPr txBox="1"/>
           <p:nvPr>
             <p:ph idx="1" type="body"/>
@@ -1968,7 +1968,7 @@
           </a:bodyPr>
           <a:lstStyle/>
           <a:p>
-            <a:pPr>
+            <a:pPr rtl="0">
               <a:spcBef>
                 <a:spcPts val="0"/>
               </a:spcBef>
@@ -1976,7 +1976,43 @@
             </a:pPr>
             <a:r>
               <a:rPr lang="en"/>
-              <a:t>cascading select lists</a:t>
+              <a:t>look at our select lists wow</a:t>
+            </a:r>
+          </a:p>
+          <a:p>
+            <a:pPr rtl="0">
+              <a:spcBef>
+                <a:spcPts val="0"/>
+              </a:spcBef>
+              <a:buNone/>
+            </a:pPr>
+            <a:r>
+              <a:rPr lang="en"/>
+              <a:t>also status is saved as a flag but look how user friendly our options are</a:t>
+            </a:r>
+          </a:p>
+          <a:p>
+            <a:pPr rtl="0">
+              <a:spcBef>
+                <a:spcPts val="0"/>
+              </a:spcBef>
+              <a:buNone/>
+            </a:pPr>
+            <a:r>
+              <a:rPr lang="en"/>
+              <a:t>effective date pulled in as a trigger for active employees</a:t>
+            </a:r>
+          </a:p>
+          <a:p>
+            <a:pPr>
+              <a:spcBef>
+                <a:spcPts val="0"/>
+              </a:spcBef>
+              <a:buNone/>
+            </a:pPr>
+            <a:r>
+              <a:rPr lang="en"/>
+              <a:t>views do not need to specify role</a:t>
             </a:r>
           </a:p>
         </p:txBody>
@@ -1994,7 +2030,7 @@
   <p:cSld>
     <p:spTree>
       <p:nvGrpSpPr>
-        <p:cNvPr id="105" name="Shape 105"/>
+        <p:cNvPr id="108" name="Shape 108"/>
         <p:cNvGrpSpPr/>
         <p:nvPr/>
       </p:nvGrpSpPr>
@@ -2008,7 +2044,7 @@
       </p:grpSpPr>
       <p:sp>
         <p:nvSpPr>
-          <p:cNvPr id="106" name="Shape 106"/>
+          <p:cNvPr id="109" name="Shape 109"/>
           <p:cNvSpPr/>
           <p:nvPr>
             <p:ph idx="2" type="sldImg"/>
@@ -2052,7 +2088,7 @@
       </p:sp>
       <p:sp>
         <p:nvSpPr>
-          <p:cNvPr id="107" name="Shape 107"/>
+          <p:cNvPr id="110" name="Shape 110"/>
           <p:cNvSpPr txBox="1"/>
           <p:nvPr>
             <p:ph idx="1" type="body"/>
@@ -2081,7 +2117,7 @@
             </a:pPr>
             <a:r>
               <a:rPr lang="en"/>
-              <a:t>look at our select lists wow</a:t>
+              <a:t>Employees are pulled in with triggers</a:t>
             </a:r>
           </a:p>
           <a:p>
@@ -2093,19 +2129,7 @@
             </a:pPr>
             <a:r>
               <a:rPr lang="en"/>
-              <a:t>also status is saved as a flag but look how user friendly our options are</a:t>
-            </a:r>
-          </a:p>
-          <a:p>
-            <a:pPr rtl="0">
-              <a:spcBef>
-                <a:spcPts val="0"/>
-              </a:spcBef>
-              <a:buNone/>
-            </a:pPr>
-            <a:r>
-              <a:rPr lang="en"/>
-              <a:t>effective date pulled in as a trigger for active employees</a:t>
+              <a:t>optional comments and fyi reviewer</a:t>
             </a:r>
           </a:p>
           <a:p>
@@ -2117,7 +2141,7 @@
             </a:pPr>
             <a:r>
               <a:rPr lang="en"/>
-              <a:t>views do not need to specify role</a:t>
+              <a:t>detailed RFE page</a:t>
             </a:r>
           </a:p>
         </p:txBody>
@@ -2135,7 +2159,7 @@
   <p:cSld>
     <p:spTree>
       <p:nvGrpSpPr>
-        <p:cNvPr id="113" name="Shape 113"/>
+        <p:cNvPr id="119" name="Shape 119"/>
         <p:cNvGrpSpPr/>
         <p:nvPr/>
       </p:nvGrpSpPr>
@@ -2149,7 +2173,7 @@
       </p:grpSpPr>
       <p:sp>
         <p:nvSpPr>
-          <p:cNvPr id="114" name="Shape 114"/>
+          <p:cNvPr id="120" name="Shape 120"/>
           <p:cNvSpPr/>
           <p:nvPr>
             <p:ph idx="2" type="sldImg"/>
@@ -2193,7 +2217,7 @@
       </p:sp>
       <p:sp>
         <p:nvSpPr>
-          <p:cNvPr id="115" name="Shape 115"/>
+          <p:cNvPr id="121" name="Shape 121"/>
           <p:cNvSpPr txBox="1"/>
           <p:nvPr>
             <p:ph idx="1" type="body"/>
@@ -2214,7 +2238,7 @@
           </a:bodyPr>
           <a:lstStyle/>
           <a:p>
-            <a:pPr rtl="0">
+            <a:pPr>
               <a:spcBef>
                 <a:spcPts val="0"/>
               </a:spcBef>
@@ -2222,31 +2246,7 @@
             </a:pPr>
             <a:r>
               <a:rPr lang="en"/>
-              <a:t>Employees are pulled in with triggers</a:t>
-            </a:r>
-          </a:p>
-          <a:p>
-            <a:pPr rtl="0">
-              <a:spcBef>
-                <a:spcPts val="0"/>
-              </a:spcBef>
-              <a:buNone/>
-            </a:pPr>
-            <a:r>
-              <a:rPr lang="en"/>
-              <a:t>optional comments and fyi reviewer</a:t>
-            </a:r>
-          </a:p>
-          <a:p>
-            <a:pPr>
-              <a:spcBef>
-                <a:spcPts val="0"/>
-              </a:spcBef>
-              <a:buNone/>
-            </a:pPr>
-            <a:r>
-              <a:rPr lang="en"/>
-              <a:t>detailed RFE page</a:t>
+              <a:t>dynamic action for effective date</a:t>
             </a:r>
           </a:p>
         </p:txBody>
@@ -6029,6 +6029,52 @@
           </a:p>
         </p:txBody>
       </p:sp>
+      <p:sp>
+        <p:nvSpPr>
+          <p:cNvPr id="57" name="Shape 57"/>
+          <p:cNvSpPr txBox="1"/>
+          <p:nvPr/>
+        </p:nvSpPr>
+        <p:spPr>
+          <a:xfrm>
+            <a:off x="1064850" y="3721050"/>
+            <a:ext cx="7407900" cy="792600"/>
+          </a:xfrm>
+          <a:prstGeom prst="rect">
+            <a:avLst/>
+          </a:prstGeom>
+          <a:noFill/>
+          <a:ln>
+            <a:noFill/>
+          </a:ln>
+        </p:spPr>
+        <p:txBody>
+          <a:bodyPr anchorCtr="0" anchor="t" bIns="91425" lIns="91425" rIns="91425" tIns="91425">
+            <a:noAutofit/>
+          </a:bodyPr>
+          <a:lstStyle/>
+          <a:p>
+            <a:pPr>
+              <a:spcBef>
+                <a:spcPts val="0"/>
+              </a:spcBef>
+              <a:buNone/>
+            </a:pPr>
+            <a:r>
+              <a:rPr lang="en" sz="1800">
+                <a:solidFill>
+                  <a:srgbClr val="F3F3F3"/>
+                </a:solidFill>
+                <a:latin typeface="Oswald"/>
+                <a:ea typeface="Oswald"/>
+                <a:cs typeface="Oswald"/>
+                <a:sym typeface="Oswald"/>
+              </a:rPr>
+              <a:t>Rosie Wu, Karthik Bala, Jack Jiang</a:t>
+            </a:r>
+          </a:p>
+        </p:txBody>
+      </p:sp>
     </p:spTree>
   </p:cSld>
   <p:clrMapOvr>
@@ -6045,7 +6091,7 @@
   <p:cSld>
     <p:spTree>
       <p:nvGrpSpPr>
-        <p:cNvPr id="116" name="Shape 116"/>
+        <p:cNvPr id="122" name="Shape 122"/>
         <p:cNvGrpSpPr/>
         <p:nvPr/>
       </p:nvGrpSpPr>
@@ -6057,52 +6103,22 @@
           <a:chExt cx="0" cy="0"/>
         </a:xfrm>
       </p:grpSpPr>
-      <p:pic>
-        <p:nvPicPr>
-          <p:cNvPr id="117" name="Shape 117"/>
-          <p:cNvPicPr preferRelativeResize="0"/>
-          <p:nvPr/>
-        </p:nvPicPr>
-        <p:blipFill>
-          <a:blip r:embed="rId3">
-            <a:alphaModFix/>
-          </a:blip>
-          <a:stretch>
-            <a:fillRect/>
-          </a:stretch>
-        </p:blipFill>
-        <p:spPr>
-          <a:xfrm>
-            <a:off x="540600" y="447900"/>
-            <a:ext cx="3130100" cy="2321724"/>
-          </a:xfrm>
-          <a:prstGeom prst="rect">
-            <a:avLst/>
-          </a:prstGeom>
-          <a:noFill/>
-          <a:ln>
-            <a:noFill/>
-          </a:ln>
-        </p:spPr>
-      </p:pic>
-      <p:sp>
-        <p:nvSpPr>
-          <p:cNvPr id="118" name="Shape 118"/>
+      <p:sp>
+        <p:nvSpPr>
+          <p:cNvPr id="123" name="Shape 123"/>
           <p:cNvSpPr txBox="1"/>
-          <p:nvPr/>
-        </p:nvSpPr>
-        <p:spPr>
-          <a:xfrm>
-            <a:off x="355850" y="112675"/>
-            <a:ext cx="4190400" cy="232500"/>
-          </a:xfrm>
-          <a:prstGeom prst="rect">
-            <a:avLst/>
-          </a:prstGeom>
-          <a:noFill/>
-          <a:ln>
-            <a:noFill/>
-          </a:ln>
+          <p:nvPr>
+            <p:ph type="title"/>
+          </p:nvPr>
+        </p:nvSpPr>
+        <p:spPr>
+          <a:xfrm>
+            <a:off x="311700" y="445025"/>
+            <a:ext cx="8520599" cy="572699"/>
+          </a:xfrm>
+          <a:prstGeom prst="rect">
+            <a:avLst/>
+          </a:prstGeom>
         </p:spPr>
         <p:txBody>
           <a:bodyPr anchorCtr="0" anchor="t" bIns="91425" lIns="91425" rIns="91425" tIns="91425">
@@ -6117,89 +6133,28 @@
               <a:buNone/>
             </a:pPr>
             <a:r>
-              <a:rPr lang="en">
-                <a:solidFill>
-                  <a:srgbClr val="F3F3F3"/>
-                </a:solidFill>
-              </a:rPr>
-              <a:t>Detailed RFE page when logged in as AD, Kool </a:t>
+              <a:rPr lang="en"/>
+              <a:t>Link to Application</a:t>
             </a:r>
           </a:p>
         </p:txBody>
       </p:sp>
-      <p:pic>
-        <p:nvPicPr>
-          <p:cNvPr id="119" name="Shape 119"/>
-          <p:cNvPicPr preferRelativeResize="0"/>
-          <p:nvPr/>
-        </p:nvPicPr>
-        <p:blipFill rotWithShape="1">
-          <a:blip r:embed="rId4">
-            <a:alphaModFix/>
-          </a:blip>
-          <a:srcRect b="20260" l="0" r="0" t="-20260"/>
-          <a:stretch/>
-        </p:blipFill>
-        <p:spPr>
-          <a:xfrm>
-            <a:off x="4862712" y="-143625"/>
-            <a:ext cx="3228975" cy="2057400"/>
-          </a:xfrm>
-          <a:prstGeom prst="rect">
-            <a:avLst/>
-          </a:prstGeom>
-          <a:noFill/>
-          <a:ln>
-            <a:noFill/>
-          </a:ln>
-        </p:spPr>
-      </p:pic>
-      <p:pic>
-        <p:nvPicPr>
-          <p:cNvPr id="120" name="Shape 120"/>
-          <p:cNvPicPr preferRelativeResize="0"/>
-          <p:nvPr/>
-        </p:nvPicPr>
-        <p:blipFill>
-          <a:blip r:embed="rId5">
-            <a:alphaModFix/>
-          </a:blip>
-          <a:stretch>
-            <a:fillRect/>
-          </a:stretch>
-        </p:blipFill>
-        <p:spPr>
-          <a:xfrm>
-            <a:off x="5148825" y="2349175"/>
-            <a:ext cx="3605774" cy="2558750"/>
-          </a:xfrm>
-          <a:prstGeom prst="rect">
-            <a:avLst/>
-          </a:prstGeom>
-          <a:noFill/>
-          <a:ln>
-            <a:noFill/>
-          </a:ln>
-        </p:spPr>
-      </p:pic>
-      <p:sp>
-        <p:nvSpPr>
-          <p:cNvPr id="121" name="Shape 121"/>
+      <p:sp>
+        <p:nvSpPr>
+          <p:cNvPr id="124" name="Shape 124"/>
           <p:cNvSpPr txBox="1"/>
-          <p:nvPr/>
-        </p:nvSpPr>
-        <p:spPr>
-          <a:xfrm>
-            <a:off x="4546326" y="1996075"/>
-            <a:ext cx="4482299" cy="353100"/>
-          </a:xfrm>
-          <a:prstGeom prst="rect">
-            <a:avLst/>
-          </a:prstGeom>
-          <a:noFill/>
-          <a:ln>
-            <a:noFill/>
-          </a:ln>
+          <p:nvPr>
+            <p:ph idx="1" type="body"/>
+          </p:nvPr>
+        </p:nvSpPr>
+        <p:spPr>
+          <a:xfrm>
+            <a:off x="311700" y="1152475"/>
+            <a:ext cx="8520599" cy="3416400"/>
+          </a:xfrm>
+          <a:prstGeom prst="rect">
+            <a:avLst/>
+          </a:prstGeom>
         </p:spPr>
         <p:txBody>
           <a:bodyPr anchorCtr="0" anchor="t" bIns="91425" lIns="91425" rIns="91425" tIns="91425">
@@ -6214,82 +6169,13 @@
               <a:buNone/>
             </a:pPr>
             <a:r>
-              <a:rPr lang="en">
+              <a:rPr lang="en" u="sng">
                 <a:solidFill>
-                  <a:srgbClr val="FFFFFF"/>
+                  <a:schemeClr val="hlink"/>
                 </a:solidFill>
+                <a:hlinkClick r:id="rId3"/>
               </a:rPr>
-              <a:t>History and pending approvals after an LD Approval</a:t>
-            </a:r>
-          </a:p>
-        </p:txBody>
-      </p:sp>
-      <p:pic>
-        <p:nvPicPr>
-          <p:cNvPr id="122" name="Shape 122"/>
-          <p:cNvPicPr preferRelativeResize="0"/>
-          <p:nvPr/>
-        </p:nvPicPr>
-        <p:blipFill>
-          <a:blip r:embed="rId6">
-            <a:alphaModFix/>
-          </a:blip>
-          <a:stretch>
-            <a:fillRect/>
-          </a:stretch>
-        </p:blipFill>
-        <p:spPr>
-          <a:xfrm>
-            <a:off x="851775" y="3180925"/>
-            <a:ext cx="3053749" cy="1905249"/>
-          </a:xfrm>
-          <a:prstGeom prst="rect">
-            <a:avLst/>
-          </a:prstGeom>
-          <a:noFill/>
-          <a:ln>
-            <a:noFill/>
-          </a:ln>
-        </p:spPr>
-      </p:pic>
-      <p:sp>
-        <p:nvSpPr>
-          <p:cNvPr id="123" name="Shape 123"/>
-          <p:cNvSpPr txBox="1"/>
-          <p:nvPr/>
-        </p:nvSpPr>
-        <p:spPr>
-          <a:xfrm>
-            <a:off x="824125" y="2859025"/>
-            <a:ext cx="3808500" cy="232500"/>
-          </a:xfrm>
-          <a:prstGeom prst="rect">
-            <a:avLst/>
-          </a:prstGeom>
-          <a:noFill/>
-          <a:ln>
-            <a:noFill/>
-          </a:ln>
-        </p:spPr>
-        <p:txBody>
-          <a:bodyPr anchorCtr="0" anchor="t" bIns="91425" lIns="91425" rIns="91425" tIns="91425">
-            <a:noAutofit/>
-          </a:bodyPr>
-          <a:lstStyle/>
-          <a:p>
-            <a:pPr lvl="0" rtl="0">
-              <a:spcBef>
-                <a:spcPts val="0"/>
-              </a:spcBef>
-              <a:buNone/>
-            </a:pPr>
-            <a:r>
-              <a:rPr lang="en">
-                <a:solidFill>
-                  <a:srgbClr val="F3F3F3"/>
-                </a:solidFill>
-              </a:rPr>
-              <a:t>Executive Director Approval Form</a:t>
+              <a:t>https://apex.oracle.com/pls/apex/f?p=96655:1:119275402988701:::::</a:t>
             </a:r>
           </a:p>
         </p:txBody>
@@ -6310,7 +6196,7 @@
   <p:cSld>
     <p:spTree>
       <p:nvGrpSpPr>
-        <p:cNvPr id="127" name="Shape 127"/>
+        <p:cNvPr id="128" name="Shape 128"/>
         <p:cNvGrpSpPr/>
         <p:nvPr/>
       </p:nvGrpSpPr>
@@ -6324,7 +6210,7 @@
       </p:grpSpPr>
       <p:sp>
         <p:nvSpPr>
-          <p:cNvPr id="128" name="Shape 128"/>
+          <p:cNvPr id="129" name="Shape 129"/>
           <p:cNvSpPr txBox="1"/>
           <p:nvPr>
             <p:ph type="title"/>
@@ -6332,15 +6218,15 @@
         </p:nvSpPr>
         <p:spPr>
           <a:xfrm>
-            <a:off x="311700" y="445025"/>
-            <a:ext cx="8520599" cy="572699"/>
+            <a:off x="671250" y="2141250"/>
+            <a:ext cx="7852199" cy="861000"/>
           </a:xfrm>
           <a:prstGeom prst="rect">
             <a:avLst/>
           </a:prstGeom>
         </p:spPr>
         <p:txBody>
-          <a:bodyPr anchorCtr="0" anchor="t" bIns="91425" lIns="91425" rIns="91425" tIns="91425">
+          <a:bodyPr anchorCtr="0" anchor="ctr" bIns="91425" lIns="91425" rIns="91425" tIns="91425">
             <a:noAutofit/>
           </a:bodyPr>
           <a:lstStyle/>
@@ -6353,48 +6239,7 @@
             </a:pPr>
             <a:r>
               <a:rPr lang="en"/>
-              <a:t>Link to Application</a:t>
-            </a:r>
-          </a:p>
-        </p:txBody>
-      </p:sp>
-      <p:sp>
-        <p:nvSpPr>
-          <p:cNvPr id="129" name="Shape 129"/>
-          <p:cNvSpPr txBox="1"/>
-          <p:nvPr>
-            <p:ph idx="1" type="body"/>
-          </p:nvPr>
-        </p:nvSpPr>
-        <p:spPr>
-          <a:xfrm>
-            <a:off x="311700" y="1152475"/>
-            <a:ext cx="8520599" cy="3416400"/>
-          </a:xfrm>
-          <a:prstGeom prst="rect">
-            <a:avLst/>
-          </a:prstGeom>
-        </p:spPr>
-        <p:txBody>
-          <a:bodyPr anchorCtr="0" anchor="t" bIns="91425" lIns="91425" rIns="91425" tIns="91425">
-            <a:noAutofit/>
-          </a:bodyPr>
-          <a:lstStyle/>
-          <a:p>
-            <a:pPr>
-              <a:spcBef>
-                <a:spcPts val="0"/>
-              </a:spcBef>
-              <a:buNone/>
-            </a:pPr>
-            <a:r>
-              <a:rPr lang="en" u="sng">
-                <a:solidFill>
-                  <a:schemeClr val="hlink"/>
-                </a:solidFill>
-                <a:hlinkClick r:id="rId3"/>
-              </a:rPr>
-              <a:t>https://apex.oracle.com/pls/apex/f?p=96655:1:119275402988701:::::</a:t>
+              <a:t>Part 2</a:t>
             </a:r>
           </a:p>
         </p:txBody>
@@ -6437,7 +6282,7 @@
         </p:nvSpPr>
         <p:spPr>
           <a:xfrm>
-            <a:off x="671250" y="2141250"/>
+            <a:off x="716750" y="172625"/>
             <a:ext cx="7852199" cy="861000"/>
           </a:xfrm>
           <a:prstGeom prst="rect">
@@ -6450,7 +6295,7 @@
           </a:bodyPr>
           <a:lstStyle/>
           <a:p>
-            <a:pPr>
+            <a:pPr rtl="0">
               <a:spcBef>
                 <a:spcPts val="0"/>
               </a:spcBef>
@@ -6458,7 +6303,123 @@
             </a:pPr>
             <a:r>
               <a:rPr lang="en"/>
-              <a:t>Part 2</a:t>
+              <a:t>Features</a:t>
+            </a:r>
+          </a:p>
+        </p:txBody>
+      </p:sp>
+      <p:sp>
+        <p:nvSpPr>
+          <p:cNvPr id="135" name="Shape 135"/>
+          <p:cNvSpPr txBox="1"/>
+          <p:nvPr/>
+        </p:nvSpPr>
+        <p:spPr>
+          <a:xfrm>
+            <a:off x="1081050" y="1035525"/>
+            <a:ext cx="7612800" cy="3664200"/>
+          </a:xfrm>
+          <a:prstGeom prst="rect">
+            <a:avLst/>
+          </a:prstGeom>
+          <a:noFill/>
+          <a:ln>
+            <a:noFill/>
+          </a:ln>
+        </p:spPr>
+        <p:txBody>
+          <a:bodyPr anchorCtr="0" anchor="t" bIns="91425" lIns="91425" rIns="91425" tIns="91425">
+            <a:noAutofit/>
+          </a:bodyPr>
+          <a:lstStyle/>
+          <a:p>
+            <a:pPr rtl="0">
+              <a:spcBef>
+                <a:spcPts val="0"/>
+              </a:spcBef>
+              <a:buNone/>
+            </a:pPr>
+            <a:r>
+              <a:rPr lang="en" sz="2400">
+                <a:solidFill>
+                  <a:srgbClr val="FFFFFF"/>
+                </a:solidFill>
+                <a:latin typeface="Oswald"/>
+                <a:ea typeface="Oswald"/>
+                <a:cs typeface="Oswald"/>
+                <a:sym typeface="Oswald"/>
+              </a:rPr>
+              <a:t>The mobile app provides access to service for Greek gods to track personal info on their followers.</a:t>
+            </a:r>
+          </a:p>
+          <a:p>
+            <a:pPr rtl="0">
+              <a:spcBef>
+                <a:spcPts val="0"/>
+              </a:spcBef>
+              <a:buNone/>
+            </a:pPr>
+            <a:r>
+              <a:t/>
+            </a:r>
+            <a:endParaRPr sz="2400">
+              <a:solidFill>
+                <a:srgbClr val="FFFFFF"/>
+              </a:solidFill>
+              <a:latin typeface="Oswald"/>
+              <a:ea typeface="Oswald"/>
+              <a:cs typeface="Oswald"/>
+              <a:sym typeface="Oswald"/>
+            </a:endParaRPr>
+          </a:p>
+          <a:p>
+            <a:pPr indent="-381000" lvl="0" marL="457200" rtl="0">
+              <a:spcBef>
+                <a:spcPts val="0"/>
+              </a:spcBef>
+              <a:buClr>
+                <a:srgbClr val="FFFFFF"/>
+              </a:buClr>
+              <a:buSzPct val="100000"/>
+              <a:buFont typeface="Oswald"/>
+              <a:buChar char="●"/>
+            </a:pPr>
+            <a:r>
+              <a:rPr lang="en" sz="2400">
+                <a:solidFill>
+                  <a:srgbClr val="FFFFFF"/>
+                </a:solidFill>
+                <a:latin typeface="Oswald"/>
+                <a:ea typeface="Oswald"/>
+                <a:cs typeface="Oswald"/>
+                <a:sym typeface="Oswald"/>
+              </a:rPr>
+              <a:t>Utilizes queries to an RDF database</a:t>
+            </a:r>
+          </a:p>
+          <a:p>
+            <a:pPr indent="-381000" lvl="0" marL="457200">
+              <a:spcBef>
+                <a:spcPts val="0"/>
+              </a:spcBef>
+              <a:buClr>
+                <a:srgbClr val="FFFFFF"/>
+              </a:buClr>
+              <a:buSzPct val="100000"/>
+              <a:buFont typeface="Oswald"/>
+              <a:buChar char="●"/>
+            </a:pPr>
+            <a:r>
+              <a:rPr lang="en" sz="2400">
+                <a:solidFill>
+                  <a:srgbClr val="FFFFFF"/>
+                </a:solidFill>
+                <a:latin typeface="Oswald"/>
+                <a:ea typeface="Oswald"/>
+                <a:cs typeface="Oswald"/>
+                <a:sym typeface="Oswald"/>
+              </a:rPr>
+              <a:t>Presents data with JSON queries</a:t>
             </a:r>
           </a:p>
         </p:txBody>
@@ -6479,7 +6440,7 @@
   <p:cSld>
     <p:spTree>
       <p:nvGrpSpPr>
-        <p:cNvPr id="138" name="Shape 138"/>
+        <p:cNvPr id="139" name="Shape 139"/>
         <p:cNvGrpSpPr/>
         <p:nvPr/>
       </p:nvGrpSpPr>
@@ -6493,7 +6454,7 @@
       </p:grpSpPr>
       <p:sp>
         <p:nvSpPr>
-          <p:cNvPr id="139" name="Shape 139"/>
+          <p:cNvPr id="140" name="Shape 140"/>
           <p:cNvSpPr txBox="1"/>
           <p:nvPr>
             <p:ph type="title"/>
@@ -6529,7 +6490,7 @@
       </p:sp>
       <p:sp>
         <p:nvSpPr>
-          <p:cNvPr id="140" name="Shape 140"/>
+          <p:cNvPr id="141" name="Shape 141"/>
           <p:cNvSpPr txBox="1"/>
           <p:nvPr>
             <p:ph idx="1" type="body"/>
@@ -6565,7 +6526,7 @@
       </p:sp>
       <p:pic>
         <p:nvPicPr>
-          <p:cNvPr id="141" name="Shape 141"/>
+          <p:cNvPr id="142" name="Shape 142"/>
           <p:cNvPicPr preferRelativeResize="0"/>
           <p:nvPr/>
         </p:nvPicPr>
@@ -6607,7 +6568,7 @@
   <p:cSld>
     <p:spTree>
       <p:nvGrpSpPr>
-        <p:cNvPr id="145" name="Shape 145"/>
+        <p:cNvPr id="146" name="Shape 146"/>
         <p:cNvGrpSpPr/>
         <p:nvPr/>
       </p:nvGrpSpPr>
@@ -6621,7 +6582,7 @@
       </p:grpSpPr>
       <p:sp>
         <p:nvSpPr>
-          <p:cNvPr id="146" name="Shape 146"/>
+          <p:cNvPr id="147" name="Shape 147"/>
           <p:cNvSpPr txBox="1"/>
           <p:nvPr>
             <p:ph type="title"/>
@@ -6657,7 +6618,7 @@
       </p:sp>
       <p:sp>
         <p:nvSpPr>
-          <p:cNvPr id="147" name="Shape 147"/>
+          <p:cNvPr id="148" name="Shape 148"/>
           <p:cNvSpPr txBox="1"/>
           <p:nvPr>
             <p:ph idx="1" type="body"/>
@@ -6693,7 +6654,7 @@
       </p:sp>
       <p:pic>
         <p:nvPicPr>
-          <p:cNvPr id="148" name="Shape 148"/>
+          <p:cNvPr id="149" name="Shape 149"/>
           <p:cNvPicPr preferRelativeResize="0"/>
           <p:nvPr/>
         </p:nvPicPr>
@@ -6735,7 +6696,7 @@
   <p:cSld>
     <p:spTree>
       <p:nvGrpSpPr>
-        <p:cNvPr id="152" name="Shape 152"/>
+        <p:cNvPr id="153" name="Shape 153"/>
         <p:cNvGrpSpPr/>
         <p:nvPr/>
       </p:nvGrpSpPr>
@@ -6749,7 +6710,7 @@
       </p:grpSpPr>
       <p:sp>
         <p:nvSpPr>
-          <p:cNvPr id="153" name="Shape 153"/>
+          <p:cNvPr id="154" name="Shape 154"/>
           <p:cNvSpPr txBox="1"/>
           <p:nvPr>
             <p:ph type="title"/>
@@ -6785,7 +6746,7 @@
       </p:sp>
       <p:sp>
         <p:nvSpPr>
-          <p:cNvPr id="154" name="Shape 154"/>
+          <p:cNvPr id="155" name="Shape 155"/>
           <p:cNvSpPr txBox="1"/>
           <p:nvPr>
             <p:ph idx="1" type="body"/>
@@ -6856,7 +6817,7 @@
   <p:cSld>
     <p:spTree>
       <p:nvGrpSpPr>
-        <p:cNvPr id="158" name="Shape 158"/>
+        <p:cNvPr id="159" name="Shape 159"/>
         <p:cNvGrpSpPr/>
         <p:nvPr/>
       </p:nvGrpSpPr>
@@ -6870,7 +6831,7 @@
       </p:grpSpPr>
       <p:sp>
         <p:nvSpPr>
-          <p:cNvPr id="159" name="Shape 159"/>
+          <p:cNvPr id="160" name="Shape 160"/>
           <p:cNvSpPr txBox="1"/>
           <p:nvPr>
             <p:ph type="title"/>
@@ -6906,7 +6867,7 @@
       </p:sp>
       <p:sp>
         <p:nvSpPr>
-          <p:cNvPr id="160" name="Shape 160"/>
+          <p:cNvPr id="161" name="Shape 161"/>
           <p:cNvSpPr txBox="1"/>
           <p:nvPr>
             <p:ph idx="1" type="body"/>
@@ -6973,7 +6934,7 @@
   <p:cSld>
     <p:spTree>
       <p:nvGrpSpPr>
-        <p:cNvPr id="164" name="Shape 164"/>
+        <p:cNvPr id="165" name="Shape 165"/>
         <p:cNvGrpSpPr/>
         <p:nvPr/>
       </p:nvGrpSpPr>
@@ -6987,7 +6948,7 @@
       </p:grpSpPr>
       <p:sp>
         <p:nvSpPr>
-          <p:cNvPr id="165" name="Shape 165"/>
+          <p:cNvPr id="166" name="Shape 166"/>
           <p:cNvSpPr txBox="1"/>
           <p:nvPr>
             <p:ph type="title"/>
@@ -7037,7 +6998,7 @@
   <p:cSld>
     <p:spTree>
       <p:nvGrpSpPr>
-        <p:cNvPr id="60" name="Shape 60"/>
+        <p:cNvPr id="61" name="Shape 61"/>
         <p:cNvGrpSpPr/>
         <p:nvPr/>
       </p:nvGrpSpPr>
@@ -7051,7 +7012,7 @@
       </p:grpSpPr>
       <p:sp>
         <p:nvSpPr>
-          <p:cNvPr id="61" name="Shape 61"/>
+          <p:cNvPr id="62" name="Shape 62"/>
           <p:cNvSpPr txBox="1"/>
           <p:nvPr>
             <p:ph type="title"/>
@@ -7101,7 +7062,7 @@
   <p:cSld>
     <p:spTree>
       <p:nvGrpSpPr>
-        <p:cNvPr id="65" name="Shape 65"/>
+        <p:cNvPr id="66" name="Shape 66"/>
         <p:cNvGrpSpPr/>
         <p:nvPr/>
       </p:nvGrpSpPr>
@@ -7115,7 +7076,7 @@
       </p:grpSpPr>
       <p:sp>
         <p:nvSpPr>
-          <p:cNvPr id="66" name="Shape 66"/>
+          <p:cNvPr id="67" name="Shape 67"/>
           <p:cNvSpPr txBox="1"/>
           <p:nvPr>
             <p:ph type="title"/>
@@ -7151,7 +7112,7 @@
       </p:sp>
       <p:pic>
         <p:nvPicPr>
-          <p:cNvPr id="67" name="Shape 67"/>
+          <p:cNvPr id="68" name="Shape 68"/>
           <p:cNvPicPr preferRelativeResize="0"/>
           <p:nvPr/>
         </p:nvPicPr>
@@ -7193,7 +7154,7 @@
   <p:cSld>
     <p:spTree>
       <p:nvGrpSpPr>
-        <p:cNvPr id="71" name="Shape 71"/>
+        <p:cNvPr id="72" name="Shape 72"/>
         <p:cNvGrpSpPr/>
         <p:nvPr/>
       </p:nvGrpSpPr>
@@ -7207,7 +7168,7 @@
       </p:grpSpPr>
       <p:sp>
         <p:nvSpPr>
-          <p:cNvPr id="72" name="Shape 72"/>
+          <p:cNvPr id="73" name="Shape 73"/>
           <p:cNvSpPr txBox="1"/>
           <p:nvPr>
             <p:ph type="title"/>
@@ -7243,7 +7204,7 @@
       </p:sp>
       <p:pic>
         <p:nvPicPr>
-          <p:cNvPr id="73" name="Shape 73"/>
+          <p:cNvPr id="74" name="Shape 74"/>
           <p:cNvPicPr preferRelativeResize="0"/>
           <p:nvPr/>
         </p:nvPicPr>
@@ -7285,7 +7246,7 @@
   <p:cSld>
     <p:spTree>
       <p:nvGrpSpPr>
-        <p:cNvPr id="77" name="Shape 77"/>
+        <p:cNvPr id="78" name="Shape 78"/>
         <p:cNvGrpSpPr/>
         <p:nvPr/>
       </p:nvGrpSpPr>
@@ -7299,7 +7260,7 @@
       </p:grpSpPr>
       <p:sp>
         <p:nvSpPr>
-          <p:cNvPr id="78" name="Shape 78"/>
+          <p:cNvPr id="79" name="Shape 79"/>
           <p:cNvSpPr txBox="1"/>
           <p:nvPr>
             <p:ph type="title"/>
@@ -7335,7 +7296,7 @@
       </p:sp>
       <p:pic>
         <p:nvPicPr>
-          <p:cNvPr id="79" name="Shape 79"/>
+          <p:cNvPr id="80" name="Shape 80"/>
           <p:cNvPicPr preferRelativeResize="0"/>
           <p:nvPr/>
         </p:nvPicPr>
@@ -7377,7 +7338,7 @@
   <p:cSld>
     <p:spTree>
       <p:nvGrpSpPr>
-        <p:cNvPr id="83" name="Shape 83"/>
+        <p:cNvPr id="84" name="Shape 84"/>
         <p:cNvGrpSpPr/>
         <p:nvPr/>
       </p:nvGrpSpPr>
@@ -7391,16 +7352,16 @@
       </p:grpSpPr>
       <p:sp>
         <p:nvSpPr>
-          <p:cNvPr id="84" name="Shape 84"/>
+          <p:cNvPr id="85" name="Shape 85"/>
           <p:cNvSpPr txBox="1"/>
           <p:nvPr>
-            <p:ph type="title"/>
-          </p:nvPr>
-        </p:nvSpPr>
-        <p:spPr>
-          <a:xfrm>
-            <a:off x="311700" y="445025"/>
-            <a:ext cx="8520599" cy="572699"/>
+            <p:ph idx="1" type="body"/>
+          </p:nvPr>
+        </p:nvSpPr>
+        <p:spPr>
+          <a:xfrm>
+            <a:off x="311700" y="1152475"/>
+            <a:ext cx="8520599" cy="3416400"/>
           </a:xfrm>
           <a:prstGeom prst="rect">
             <a:avLst/>
@@ -7419,28 +7380,85 @@
               <a:buNone/>
             </a:pPr>
             <a:r>
-              <a:rPr lang="en"/>
-              <a:t>Features</a:t>
+              <a:t/>
             </a:r>
+            <a:endParaRPr/>
           </a:p>
         </p:txBody>
       </p:sp>
-      <p:sp>
-        <p:nvSpPr>
-          <p:cNvPr id="85" name="Shape 85"/>
+      <p:pic>
+        <p:nvPicPr>
+          <p:cNvPr id="86" name="Shape 86"/>
+          <p:cNvPicPr preferRelativeResize="0"/>
+          <p:nvPr/>
+        </p:nvPicPr>
+        <p:blipFill rotWithShape="1">
+          <a:blip r:embed="rId3">
+            <a:alphaModFix/>
+          </a:blip>
+          <a:srcRect b="21160" l="0" r="0" t="-21160"/>
+          <a:stretch/>
+        </p:blipFill>
+        <p:spPr>
+          <a:xfrm>
+            <a:off x="1781350" y="662100"/>
+            <a:ext cx="7492350" cy="3125999"/>
+          </a:xfrm>
+          <a:prstGeom prst="rect">
+            <a:avLst/>
+          </a:prstGeom>
+          <a:noFill/>
+          <a:ln>
+            <a:noFill/>
+          </a:ln>
+        </p:spPr>
+      </p:pic>
+      <p:pic>
+        <p:nvPicPr>
+          <p:cNvPr id="87" name="Shape 87"/>
+          <p:cNvPicPr preferRelativeResize="0"/>
+          <p:nvPr/>
+        </p:nvPicPr>
+        <p:blipFill>
+          <a:blip r:embed="rId4">
+            <a:alphaModFix/>
+          </a:blip>
+          <a:stretch>
+            <a:fillRect/>
+          </a:stretch>
+        </p:blipFill>
+        <p:spPr>
+          <a:xfrm>
+            <a:off x="228250" y="1340147"/>
+            <a:ext cx="1447225" cy="2463200"/>
+          </a:xfrm>
+          <a:prstGeom prst="rect">
+            <a:avLst/>
+          </a:prstGeom>
+          <a:noFill/>
+          <a:ln>
+            <a:noFill/>
+          </a:ln>
+        </p:spPr>
+      </p:pic>
+      <p:sp>
+        <p:nvSpPr>
+          <p:cNvPr id="88" name="Shape 88"/>
           <p:cNvSpPr txBox="1"/>
-          <p:nvPr>
-            <p:ph idx="1" type="body"/>
-          </p:nvPr>
-        </p:nvSpPr>
-        <p:spPr>
-          <a:xfrm>
-            <a:off x="311700" y="1152475"/>
-            <a:ext cx="8520599" cy="3416400"/>
-          </a:xfrm>
-          <a:prstGeom prst="rect">
-            <a:avLst/>
-          </a:prstGeom>
+          <p:nvPr/>
+        </p:nvSpPr>
+        <p:spPr>
+          <a:xfrm>
+            <a:off x="281900" y="3846025"/>
+            <a:ext cx="3432899" cy="400499"/>
+          </a:xfrm>
+          <a:prstGeom prst="rect">
+            <a:avLst/>
+          </a:prstGeom>
+          <a:noFill/>
+          <a:ln>
+            <a:noFill/>
+          </a:ln>
         </p:spPr>
         <p:txBody>
           <a:bodyPr anchorCtr="0" anchor="t" bIns="91425" lIns="91425" rIns="91425" tIns="91425">
@@ -7448,16 +7466,108 @@
           </a:bodyPr>
           <a:lstStyle/>
           <a:p>
-            <a:pPr lvl="0">
+            <a:pPr>
               <a:spcBef>
                 <a:spcPts val="0"/>
               </a:spcBef>
               <a:buNone/>
             </a:pPr>
             <a:r>
-              <a:t/>
+              <a:rPr lang="en" sz="2400">
+                <a:solidFill>
+                  <a:srgbClr val="FFFFFF"/>
+                </a:solidFill>
+              </a:rPr>
+              <a:t>Navigation</a:t>
             </a:r>
-            <a:endParaRPr/>
+          </a:p>
+        </p:txBody>
+      </p:sp>
+      <p:sp>
+        <p:nvSpPr>
+          <p:cNvPr id="89" name="Shape 89"/>
+          <p:cNvSpPr txBox="1"/>
+          <p:nvPr/>
+        </p:nvSpPr>
+        <p:spPr>
+          <a:xfrm>
+            <a:off x="4323725" y="3846025"/>
+            <a:ext cx="3432899" cy="400499"/>
+          </a:xfrm>
+          <a:prstGeom prst="rect">
+            <a:avLst/>
+          </a:prstGeom>
+          <a:noFill/>
+          <a:ln>
+            <a:noFill/>
+          </a:ln>
+        </p:spPr>
+        <p:txBody>
+          <a:bodyPr anchorCtr="0" anchor="t" bIns="91425" lIns="91425" rIns="91425" tIns="91425">
+            <a:noAutofit/>
+          </a:bodyPr>
+          <a:lstStyle/>
+          <a:p>
+            <a:pPr lvl="0" rtl="0">
+              <a:spcBef>
+                <a:spcPts val="0"/>
+              </a:spcBef>
+              <a:buNone/>
+            </a:pPr>
+            <a:r>
+              <a:rPr lang="en" sz="2400">
+                <a:solidFill>
+                  <a:srgbClr val="FFFFFF"/>
+                </a:solidFill>
+              </a:rPr>
+              <a:t>Login Page</a:t>
+            </a:r>
+          </a:p>
+        </p:txBody>
+      </p:sp>
+      <p:sp>
+        <p:nvSpPr>
+          <p:cNvPr id="90" name="Shape 90"/>
+          <p:cNvSpPr txBox="1"/>
+          <p:nvPr/>
+        </p:nvSpPr>
+        <p:spPr>
+          <a:xfrm>
+            <a:off x="3253825" y="374875"/>
+            <a:ext cx="4547399" cy="440999"/>
+          </a:xfrm>
+          <a:prstGeom prst="rect">
+            <a:avLst/>
+          </a:prstGeom>
+          <a:noFill/>
+          <a:ln>
+            <a:noFill/>
+          </a:ln>
+        </p:spPr>
+        <p:txBody>
+          <a:bodyPr anchorCtr="0" anchor="t" bIns="91425" lIns="91425" rIns="91425" tIns="91425">
+            <a:noAutofit/>
+          </a:bodyPr>
+          <a:lstStyle/>
+          <a:p>
+            <a:pPr>
+              <a:spcBef>
+                <a:spcPts val="0"/>
+              </a:spcBef>
+              <a:buNone/>
+            </a:pPr>
+            <a:r>
+              <a:rPr lang="en" sz="3000">
+                <a:solidFill>
+                  <a:srgbClr val="FFFFFF"/>
+                </a:solidFill>
+                <a:latin typeface="Oswald"/>
+                <a:ea typeface="Oswald"/>
+                <a:cs typeface="Oswald"/>
+                <a:sym typeface="Oswald"/>
+              </a:rPr>
+              <a:t>SCREENSHOTS</a:t>
+            </a:r>
           </a:p>
         </p:txBody>
       </p:sp>
@@ -7477,7 +7587,7 @@
   <p:cSld>
     <p:spTree>
       <p:nvGrpSpPr>
-        <p:cNvPr id="89" name="Shape 89"/>
+        <p:cNvPr id="94" name="Shape 94"/>
         <p:cNvGrpSpPr/>
         <p:nvPr/>
       </p:nvGrpSpPr>
@@ -7491,16 +7601,16 @@
       </p:grpSpPr>
       <p:sp>
         <p:nvSpPr>
-          <p:cNvPr id="90" name="Shape 90"/>
+          <p:cNvPr id="95" name="Shape 95"/>
           <p:cNvSpPr txBox="1"/>
           <p:nvPr>
-            <p:ph idx="1" type="body"/>
-          </p:nvPr>
-        </p:nvSpPr>
-        <p:spPr>
-          <a:xfrm>
-            <a:off x="311700" y="1152475"/>
-            <a:ext cx="8520599" cy="3416400"/>
+            <p:ph type="title"/>
+          </p:nvPr>
+        </p:nvSpPr>
+        <p:spPr>
+          <a:xfrm>
+            <a:off x="311700" y="1803925"/>
+            <a:ext cx="8520599" cy="572699"/>
           </a:xfrm>
           <a:prstGeom prst="rect">
             <a:avLst/>
@@ -7512,36 +7622,37 @@
           </a:bodyPr>
           <a:lstStyle/>
           <a:p>
-            <a:pPr>
+            <a:pPr algn="ctr">
               <a:spcBef>
                 <a:spcPts val="0"/>
               </a:spcBef>
               <a:buNone/>
             </a:pPr>
             <a:r>
-              <a:t/>
+              <a:rPr lang="en" sz="1800"/>
+              <a:t>Forms</a:t>
             </a:r>
-            <a:endParaRPr/>
           </a:p>
         </p:txBody>
       </p:sp>
       <p:pic>
         <p:nvPicPr>
-          <p:cNvPr id="91" name="Shape 91"/>
+          <p:cNvPr id="96" name="Shape 96"/>
           <p:cNvPicPr preferRelativeResize="0"/>
           <p:nvPr/>
         </p:nvPicPr>
-        <p:blipFill rotWithShape="1">
+        <p:blipFill>
           <a:blip r:embed="rId3">
             <a:alphaModFix/>
           </a:blip>
-          <a:srcRect b="21160" l="0" r="0" t="-21160"/>
-          <a:stretch/>
+          <a:stretch>
+            <a:fillRect/>
+          </a:stretch>
         </p:blipFill>
         <p:spPr>
           <a:xfrm>
-            <a:off x="1781350" y="662100"/>
-            <a:ext cx="7492350" cy="3125999"/>
+            <a:off x="0" y="749514"/>
+            <a:ext cx="9144000" cy="911670"/>
           </a:xfrm>
           <a:prstGeom prst="rect">
             <a:avLst/>
@@ -7552,9 +7663,45 @@
           </a:ln>
         </p:spPr>
       </p:pic>
+      <p:sp>
+        <p:nvSpPr>
+          <p:cNvPr id="97" name="Shape 97"/>
+          <p:cNvSpPr txBox="1"/>
+          <p:nvPr>
+            <p:ph idx="2" type="title"/>
+          </p:nvPr>
+        </p:nvSpPr>
+        <p:spPr>
+          <a:xfrm>
+            <a:off x="237600" y="329225"/>
+            <a:ext cx="8520599" cy="572699"/>
+          </a:xfrm>
+          <a:prstGeom prst="rect">
+            <a:avLst/>
+          </a:prstGeom>
+        </p:spPr>
+        <p:txBody>
+          <a:bodyPr anchorCtr="0" anchor="t" bIns="91425" lIns="91425" rIns="91425" tIns="91425">
+            <a:noAutofit/>
+          </a:bodyPr>
+          <a:lstStyle/>
+          <a:p>
+            <a:pPr lvl="0" rtl="0" algn="ctr">
+              <a:spcBef>
+                <a:spcPts val="0"/>
+              </a:spcBef>
+              <a:buNone/>
+            </a:pPr>
+            <a:r>
+              <a:rPr lang="en" sz="1800"/>
+              <a:t>Executive Director View</a:t>
+            </a:r>
+          </a:p>
+        </p:txBody>
+      </p:sp>
       <p:pic>
         <p:nvPicPr>
-          <p:cNvPr id="92" name="Shape 92"/>
+          <p:cNvPr id="98" name="Shape 98"/>
           <p:cNvPicPr preferRelativeResize="0"/>
           <p:nvPr/>
         </p:nvPicPr>
@@ -7568,8 +7715,8 @@
         </p:blipFill>
         <p:spPr>
           <a:xfrm>
-            <a:off x="228250" y="1340147"/>
-            <a:ext cx="1447225" cy="2463200"/>
+            <a:off x="1419100" y="2258350"/>
+            <a:ext cx="2681749" cy="2587249"/>
           </a:xfrm>
           <a:prstGeom prst="rect">
             <a:avLst/>
@@ -7580,16 +7727,24 @@
           </a:ln>
         </p:spPr>
       </p:pic>
-      <p:sp>
-        <p:nvSpPr>
-          <p:cNvPr id="93" name="Shape 93"/>
-          <p:cNvSpPr txBox="1"/>
+      <p:pic>
+        <p:nvPicPr>
+          <p:cNvPr id="99" name="Shape 99"/>
+          <p:cNvPicPr preferRelativeResize="0"/>
           <p:nvPr/>
-        </p:nvSpPr>
-        <p:spPr>
-          <a:xfrm>
-            <a:off x="281900" y="3846025"/>
-            <a:ext cx="3432899" cy="400499"/>
+        </p:nvPicPr>
+        <p:blipFill>
+          <a:blip r:embed="rId5">
+            <a:alphaModFix/>
+          </a:blip>
+          <a:stretch>
+            <a:fillRect/>
+          </a:stretch>
+        </p:blipFill>
+        <p:spPr>
+          <a:xfrm>
+            <a:off x="5018600" y="2258350"/>
+            <a:ext cx="2447899" cy="2587249"/>
           </a:xfrm>
           <a:prstGeom prst="rect">
             <a:avLst/>
@@ -7599,117 +7754,7 @@
             <a:noFill/>
           </a:ln>
         </p:spPr>
-        <p:txBody>
-          <a:bodyPr anchorCtr="0" anchor="t" bIns="91425" lIns="91425" rIns="91425" tIns="91425">
-            <a:noAutofit/>
-          </a:bodyPr>
-          <a:lstStyle/>
-          <a:p>
-            <a:pPr>
-              <a:spcBef>
-                <a:spcPts val="0"/>
-              </a:spcBef>
-              <a:buNone/>
-            </a:pPr>
-            <a:r>
-              <a:rPr lang="en" sz="2400">
-                <a:solidFill>
-                  <a:srgbClr val="FFFFFF"/>
-                </a:solidFill>
-              </a:rPr>
-              <a:t>Navigation</a:t>
-            </a:r>
-          </a:p>
-        </p:txBody>
-      </p:sp>
-      <p:sp>
-        <p:nvSpPr>
-          <p:cNvPr id="94" name="Shape 94"/>
-          <p:cNvSpPr txBox="1"/>
-          <p:nvPr/>
-        </p:nvSpPr>
-        <p:spPr>
-          <a:xfrm>
-            <a:off x="4323725" y="3846025"/>
-            <a:ext cx="3432899" cy="400499"/>
-          </a:xfrm>
-          <a:prstGeom prst="rect">
-            <a:avLst/>
-          </a:prstGeom>
-          <a:noFill/>
-          <a:ln>
-            <a:noFill/>
-          </a:ln>
-        </p:spPr>
-        <p:txBody>
-          <a:bodyPr anchorCtr="0" anchor="t" bIns="91425" lIns="91425" rIns="91425" tIns="91425">
-            <a:noAutofit/>
-          </a:bodyPr>
-          <a:lstStyle/>
-          <a:p>
-            <a:pPr lvl="0" rtl="0">
-              <a:spcBef>
-                <a:spcPts val="0"/>
-              </a:spcBef>
-              <a:buNone/>
-            </a:pPr>
-            <a:r>
-              <a:rPr lang="en" sz="2400">
-                <a:solidFill>
-                  <a:srgbClr val="FFFFFF"/>
-                </a:solidFill>
-              </a:rPr>
-              <a:t>Login Page</a:t>
-            </a:r>
-          </a:p>
-        </p:txBody>
-      </p:sp>
-      <p:sp>
-        <p:nvSpPr>
-          <p:cNvPr id="95" name="Shape 95"/>
-          <p:cNvSpPr txBox="1"/>
-          <p:nvPr/>
-        </p:nvSpPr>
-        <p:spPr>
-          <a:xfrm>
-            <a:off x="3253825" y="374875"/>
-            <a:ext cx="4547399" cy="440999"/>
-          </a:xfrm>
-          <a:prstGeom prst="rect">
-            <a:avLst/>
-          </a:prstGeom>
-          <a:noFill/>
-          <a:ln>
-            <a:noFill/>
-          </a:ln>
-        </p:spPr>
-        <p:txBody>
-          <a:bodyPr anchorCtr="0" anchor="t" bIns="91425" lIns="91425" rIns="91425" tIns="91425">
-            <a:noAutofit/>
-          </a:bodyPr>
-          <a:lstStyle/>
-          <a:p>
-            <a:pPr>
-              <a:spcBef>
-                <a:spcPts val="0"/>
-              </a:spcBef>
-              <a:buNone/>
-            </a:pPr>
-            <a:r>
-              <a:rPr lang="en" sz="3000">
-                <a:solidFill>
-                  <a:srgbClr val="FFFFFF"/>
-                </a:solidFill>
-                <a:latin typeface="Oswald"/>
-                <a:ea typeface="Oswald"/>
-                <a:cs typeface="Oswald"/>
-                <a:sym typeface="Oswald"/>
-              </a:rPr>
-              <a:t>SCREENSHOTS</a:t>
-            </a:r>
-          </a:p>
-        </p:txBody>
-      </p:sp>
+      </p:pic>
     </p:spTree>
   </p:cSld>
   <p:clrMapOvr>
@@ -7726,7 +7771,7 @@
   <p:cSld>
     <p:spTree>
       <p:nvGrpSpPr>
-        <p:cNvPr id="99" name="Shape 99"/>
+        <p:cNvPr id="103" name="Shape 103"/>
         <p:cNvGrpSpPr/>
         <p:nvPr/>
       </p:nvGrpSpPr>
@@ -7740,7 +7785,7 @@
       </p:grpSpPr>
       <p:sp>
         <p:nvSpPr>
-          <p:cNvPr id="100" name="Shape 100"/>
+          <p:cNvPr id="104" name="Shape 104"/>
           <p:cNvSpPr txBox="1"/>
           <p:nvPr>
             <p:ph type="title"/>
@@ -7748,7 +7793,7 @@
         </p:nvSpPr>
         <p:spPr>
           <a:xfrm>
-            <a:off x="311700" y="1803925"/>
+            <a:off x="311687" y="176825"/>
             <a:ext cx="8520599" cy="572699"/>
           </a:xfrm>
           <a:prstGeom prst="rect">
@@ -7768,15 +7813,51 @@
               <a:buNone/>
             </a:pPr>
             <a:r>
-              <a:rPr lang="en" sz="1800"/>
-              <a:t>Forms</a:t>
+              <a:rPr lang="en" sz="2400"/>
+              <a:t>RFEs</a:t>
             </a:r>
           </a:p>
         </p:txBody>
       </p:sp>
+      <p:sp>
+        <p:nvSpPr>
+          <p:cNvPr id="105" name="Shape 105"/>
+          <p:cNvSpPr txBox="1"/>
+          <p:nvPr>
+            <p:ph idx="1" type="body"/>
+          </p:nvPr>
+        </p:nvSpPr>
+        <p:spPr>
+          <a:xfrm>
+            <a:off x="311700" y="1152475"/>
+            <a:ext cx="8520599" cy="3416400"/>
+          </a:xfrm>
+          <a:prstGeom prst="rect">
+            <a:avLst/>
+          </a:prstGeom>
+        </p:spPr>
+        <p:txBody>
+          <a:bodyPr anchorCtr="0" anchor="t" bIns="91425" lIns="91425" rIns="91425" tIns="91425">
+            <a:noAutofit/>
+          </a:bodyPr>
+          <a:lstStyle/>
+          <a:p>
+            <a:pPr>
+              <a:spcBef>
+                <a:spcPts val="0"/>
+              </a:spcBef>
+              <a:buNone/>
+            </a:pPr>
+            <a:r>
+              <a:t/>
+            </a:r>
+            <a:endParaRPr/>
+          </a:p>
+        </p:txBody>
+      </p:sp>
       <p:pic>
         <p:nvPicPr>
-          <p:cNvPr id="101" name="Shape 101"/>
+          <p:cNvPr id="106" name="Shape 106"/>
           <p:cNvPicPr preferRelativeResize="0"/>
           <p:nvPr/>
         </p:nvPicPr>
@@ -7790,8 +7871,8 @@
         </p:blipFill>
         <p:spPr>
           <a:xfrm>
-            <a:off x="0" y="749514"/>
-            <a:ext cx="9144000" cy="911670"/>
+            <a:off x="661987" y="749525"/>
+            <a:ext cx="7820025" cy="1047750"/>
           </a:xfrm>
           <a:prstGeom prst="rect">
             <a:avLst/>
@@ -7802,45 +7883,9 @@
           </a:ln>
         </p:spPr>
       </p:pic>
-      <p:sp>
-        <p:nvSpPr>
-          <p:cNvPr id="102" name="Shape 102"/>
-          <p:cNvSpPr txBox="1"/>
-          <p:nvPr>
-            <p:ph idx="2" type="title"/>
-          </p:nvPr>
-        </p:nvSpPr>
-        <p:spPr>
-          <a:xfrm>
-            <a:off x="237600" y="329225"/>
-            <a:ext cx="8520599" cy="572699"/>
-          </a:xfrm>
-          <a:prstGeom prst="rect">
-            <a:avLst/>
-          </a:prstGeom>
-        </p:spPr>
-        <p:txBody>
-          <a:bodyPr anchorCtr="0" anchor="t" bIns="91425" lIns="91425" rIns="91425" tIns="91425">
-            <a:noAutofit/>
-          </a:bodyPr>
-          <a:lstStyle/>
-          <a:p>
-            <a:pPr lvl="0" rtl="0" algn="ctr">
-              <a:spcBef>
-                <a:spcPts val="0"/>
-              </a:spcBef>
-              <a:buNone/>
-            </a:pPr>
-            <a:r>
-              <a:rPr lang="en" sz="1800"/>
-              <a:t>Executive Director View</a:t>
-            </a:r>
-          </a:p>
-        </p:txBody>
-      </p:sp>
       <p:pic>
         <p:nvPicPr>
-          <p:cNvPr id="103" name="Shape 103"/>
+          <p:cNvPr id="107" name="Shape 107"/>
           <p:cNvPicPr preferRelativeResize="0"/>
           <p:nvPr/>
         </p:nvPicPr>
@@ -7854,36 +7899,8 @@
         </p:blipFill>
         <p:spPr>
           <a:xfrm>
-            <a:off x="1419100" y="2258350"/>
-            <a:ext cx="2681749" cy="2587249"/>
-          </a:xfrm>
-          <a:prstGeom prst="rect">
-            <a:avLst/>
-          </a:prstGeom>
-          <a:noFill/>
-          <a:ln>
-            <a:noFill/>
-          </a:ln>
-        </p:spPr>
-      </p:pic>
-      <p:pic>
-        <p:nvPicPr>
-          <p:cNvPr id="104" name="Shape 104"/>
-          <p:cNvPicPr preferRelativeResize="0"/>
-          <p:nvPr/>
-        </p:nvPicPr>
-        <p:blipFill>
-          <a:blip r:embed="rId5">
-            <a:alphaModFix/>
-          </a:blip>
-          <a:stretch>
-            <a:fillRect/>
-          </a:stretch>
-        </p:blipFill>
-        <p:spPr>
-          <a:xfrm>
-            <a:off x="5018600" y="2258350"/>
-            <a:ext cx="2447899" cy="2587249"/>
+            <a:off x="2481021" y="1934375"/>
+            <a:ext cx="4002799" cy="2949424"/>
           </a:xfrm>
           <a:prstGeom prst="rect">
             <a:avLst/>
@@ -7910,7 +7927,7 @@
   <p:cSld>
     <p:spTree>
       <p:nvGrpSpPr>
-        <p:cNvPr id="108" name="Shape 108"/>
+        <p:cNvPr id="111" name="Shape 111"/>
         <p:cNvGrpSpPr/>
         <p:nvPr/>
       </p:nvGrpSpPr>
@@ -7922,81 +7939,9 @@
           <a:chExt cx="0" cy="0"/>
         </a:xfrm>
       </p:grpSpPr>
-      <p:sp>
-        <p:nvSpPr>
-          <p:cNvPr id="109" name="Shape 109"/>
-          <p:cNvSpPr txBox="1"/>
-          <p:nvPr>
-            <p:ph type="title"/>
-          </p:nvPr>
-        </p:nvSpPr>
-        <p:spPr>
-          <a:xfrm>
-            <a:off x="311687" y="176825"/>
-            <a:ext cx="8520599" cy="572699"/>
-          </a:xfrm>
-          <a:prstGeom prst="rect">
-            <a:avLst/>
-          </a:prstGeom>
-        </p:spPr>
-        <p:txBody>
-          <a:bodyPr anchorCtr="0" anchor="t" bIns="91425" lIns="91425" rIns="91425" tIns="91425">
-            <a:noAutofit/>
-          </a:bodyPr>
-          <a:lstStyle/>
-          <a:p>
-            <a:pPr algn="ctr">
-              <a:spcBef>
-                <a:spcPts val="0"/>
-              </a:spcBef>
-              <a:buNone/>
-            </a:pPr>
-            <a:r>
-              <a:rPr lang="en" sz="2400"/>
-              <a:t>RFEs</a:t>
-            </a:r>
-          </a:p>
-        </p:txBody>
-      </p:sp>
-      <p:sp>
-        <p:nvSpPr>
-          <p:cNvPr id="110" name="Shape 110"/>
-          <p:cNvSpPr txBox="1"/>
-          <p:nvPr>
-            <p:ph idx="1" type="body"/>
-          </p:nvPr>
-        </p:nvSpPr>
-        <p:spPr>
-          <a:xfrm>
-            <a:off x="311700" y="1152475"/>
-            <a:ext cx="8520599" cy="3416400"/>
-          </a:xfrm>
-          <a:prstGeom prst="rect">
-            <a:avLst/>
-          </a:prstGeom>
-        </p:spPr>
-        <p:txBody>
-          <a:bodyPr anchorCtr="0" anchor="t" bIns="91425" lIns="91425" rIns="91425" tIns="91425">
-            <a:noAutofit/>
-          </a:bodyPr>
-          <a:lstStyle/>
-          <a:p>
-            <a:pPr>
-              <a:spcBef>
-                <a:spcPts val="0"/>
-              </a:spcBef>
-              <a:buNone/>
-            </a:pPr>
-            <a:r>
-              <a:t/>
-            </a:r>
-            <a:endParaRPr/>
-          </a:p>
-        </p:txBody>
-      </p:sp>
       <p:pic>
         <p:nvPicPr>
-          <p:cNvPr id="111" name="Shape 111"/>
+          <p:cNvPr id="112" name="Shape 112"/>
           <p:cNvPicPr preferRelativeResize="0"/>
           <p:nvPr/>
         </p:nvPicPr>
@@ -8010,8 +7955,8 @@
         </p:blipFill>
         <p:spPr>
           <a:xfrm>
-            <a:off x="661987" y="749525"/>
-            <a:ext cx="7820025" cy="1047750"/>
+            <a:off x="540600" y="447900"/>
+            <a:ext cx="3130100" cy="2321724"/>
           </a:xfrm>
           <a:prstGeom prst="rect">
             <a:avLst/>
@@ -8022,14 +7967,83 @@
           </a:ln>
         </p:spPr>
       </p:pic>
+      <p:sp>
+        <p:nvSpPr>
+          <p:cNvPr id="113" name="Shape 113"/>
+          <p:cNvSpPr txBox="1"/>
+          <p:nvPr/>
+        </p:nvSpPr>
+        <p:spPr>
+          <a:xfrm>
+            <a:off x="355850" y="112675"/>
+            <a:ext cx="4190400" cy="232500"/>
+          </a:xfrm>
+          <a:prstGeom prst="rect">
+            <a:avLst/>
+          </a:prstGeom>
+          <a:noFill/>
+          <a:ln>
+            <a:noFill/>
+          </a:ln>
+        </p:spPr>
+        <p:txBody>
+          <a:bodyPr anchorCtr="0" anchor="t" bIns="91425" lIns="91425" rIns="91425" tIns="91425">
+            <a:noAutofit/>
+          </a:bodyPr>
+          <a:lstStyle/>
+          <a:p>
+            <a:pPr>
+              <a:spcBef>
+                <a:spcPts val="0"/>
+              </a:spcBef>
+              <a:buNone/>
+            </a:pPr>
+            <a:r>
+              <a:rPr lang="en">
+                <a:solidFill>
+                  <a:srgbClr val="F3F3F3"/>
+                </a:solidFill>
+              </a:rPr>
+              <a:t>Detailed RFE page when logged in as AD, Kool </a:t>
+            </a:r>
+          </a:p>
+        </p:txBody>
+      </p:sp>
       <p:pic>
         <p:nvPicPr>
-          <p:cNvPr id="112" name="Shape 112"/>
+          <p:cNvPr id="114" name="Shape 114"/>
+          <p:cNvPicPr preferRelativeResize="0"/>
+          <p:nvPr/>
+        </p:nvPicPr>
+        <p:blipFill rotWithShape="1">
+          <a:blip r:embed="rId4">
+            <a:alphaModFix/>
+          </a:blip>
+          <a:srcRect b="20260" l="0" r="0" t="-20260"/>
+          <a:stretch/>
+        </p:blipFill>
+        <p:spPr>
+          <a:xfrm>
+            <a:off x="4862712" y="-143625"/>
+            <a:ext cx="3228975" cy="2057400"/>
+          </a:xfrm>
+          <a:prstGeom prst="rect">
+            <a:avLst/>
+          </a:prstGeom>
+          <a:noFill/>
+          <a:ln>
+            <a:noFill/>
+          </a:ln>
+        </p:spPr>
+      </p:pic>
+      <p:pic>
+        <p:nvPicPr>
+          <p:cNvPr id="115" name="Shape 115"/>
           <p:cNvPicPr preferRelativeResize="0"/>
           <p:nvPr/>
         </p:nvPicPr>
         <p:blipFill>
-          <a:blip r:embed="rId4">
+          <a:blip r:embed="rId5">
             <a:alphaModFix/>
           </a:blip>
           <a:stretch>
@@ -8038,8 +8052,8 @@
         </p:blipFill>
         <p:spPr>
           <a:xfrm>
-            <a:off x="2481021" y="1934375"/>
-            <a:ext cx="4002799" cy="2949424"/>
+            <a:off x="5148825" y="2349175"/>
+            <a:ext cx="3605774" cy="2558750"/>
           </a:xfrm>
           <a:prstGeom prst="rect">
             <a:avLst/>
@@ -8050,6 +8064,118 @@
           </a:ln>
         </p:spPr>
       </p:pic>
+      <p:sp>
+        <p:nvSpPr>
+          <p:cNvPr id="116" name="Shape 116"/>
+          <p:cNvSpPr txBox="1"/>
+          <p:nvPr/>
+        </p:nvSpPr>
+        <p:spPr>
+          <a:xfrm>
+            <a:off x="4546326" y="1996075"/>
+            <a:ext cx="4482299" cy="353100"/>
+          </a:xfrm>
+          <a:prstGeom prst="rect">
+            <a:avLst/>
+          </a:prstGeom>
+          <a:noFill/>
+          <a:ln>
+            <a:noFill/>
+          </a:ln>
+        </p:spPr>
+        <p:txBody>
+          <a:bodyPr anchorCtr="0" anchor="t" bIns="91425" lIns="91425" rIns="91425" tIns="91425">
+            <a:noAutofit/>
+          </a:bodyPr>
+          <a:lstStyle/>
+          <a:p>
+            <a:pPr>
+              <a:spcBef>
+                <a:spcPts val="0"/>
+              </a:spcBef>
+              <a:buNone/>
+            </a:pPr>
+            <a:r>
+              <a:rPr lang="en">
+                <a:solidFill>
+                  <a:srgbClr val="FFFFFF"/>
+                </a:solidFill>
+              </a:rPr>
+              <a:t>History and pending approvals after an LD Approval</a:t>
+            </a:r>
+          </a:p>
+        </p:txBody>
+      </p:sp>
+      <p:pic>
+        <p:nvPicPr>
+          <p:cNvPr id="117" name="Shape 117"/>
+          <p:cNvPicPr preferRelativeResize="0"/>
+          <p:nvPr/>
+        </p:nvPicPr>
+        <p:blipFill>
+          <a:blip r:embed="rId6">
+            <a:alphaModFix/>
+          </a:blip>
+          <a:stretch>
+            <a:fillRect/>
+          </a:stretch>
+        </p:blipFill>
+        <p:spPr>
+          <a:xfrm>
+            <a:off x="851775" y="3180925"/>
+            <a:ext cx="3053749" cy="1905249"/>
+          </a:xfrm>
+          <a:prstGeom prst="rect">
+            <a:avLst/>
+          </a:prstGeom>
+          <a:noFill/>
+          <a:ln>
+            <a:noFill/>
+          </a:ln>
+        </p:spPr>
+      </p:pic>
+      <p:sp>
+        <p:nvSpPr>
+          <p:cNvPr id="118" name="Shape 118"/>
+          <p:cNvSpPr txBox="1"/>
+          <p:nvPr/>
+        </p:nvSpPr>
+        <p:spPr>
+          <a:xfrm>
+            <a:off x="824125" y="2859025"/>
+            <a:ext cx="3808500" cy="232500"/>
+          </a:xfrm>
+          <a:prstGeom prst="rect">
+            <a:avLst/>
+          </a:prstGeom>
+          <a:noFill/>
+          <a:ln>
+            <a:noFill/>
+          </a:ln>
+        </p:spPr>
+        <p:txBody>
+          <a:bodyPr anchorCtr="0" anchor="t" bIns="91425" lIns="91425" rIns="91425" tIns="91425">
+            <a:noAutofit/>
+          </a:bodyPr>
+          <a:lstStyle/>
+          <a:p>
+            <a:pPr lvl="0" rtl="0">
+              <a:spcBef>
+                <a:spcPts val="0"/>
+              </a:spcBef>
+              <a:buNone/>
+            </a:pPr>
+            <a:r>
+              <a:rPr lang="en">
+                <a:solidFill>
+                  <a:srgbClr val="F3F3F3"/>
+                </a:solidFill>
+              </a:rPr>
+              <a:t>Executive Director Approval Form</a:t>
+            </a:r>
+          </a:p>
+        </p:txBody>
+      </p:sp>
     </p:spTree>
   </p:cSld>
   <p:clrMapOvr>
